--- a/lectures3/Pythonlearn-11-Regex.pptx
+++ b/lectures3/Pythonlearn-11-Regex.pptx
@@ -6075,7 +6075,7 @@
               <a:buNone/>
             </a:pPr>
             <a:r>
-              <a:rPr lang="pl" sz="3200" b="0" i="0" u="none" strike="noStrike" cap="none" baseline="0">
+              <a:rPr lang="pl" sz="3200" b="0" i="0" u="none" strike="noStrike" cap="none" baseline="0" dirty="0">
                 <a:solidFill>
                   <a:srgbClr val="FFFF00"/>
                 </a:solidFill>
@@ -6106,25 +6106,40 @@
               <a:buNone/>
             </a:pPr>
             <a:r>
-              <a:rPr lang="pl" sz="3200" b="0" i="0" u="none" baseline="0">
+              <a:rPr lang="pl" sz="3200" b="0" i="0" u="sng" strike="noStrike" cap="none" baseline="0" dirty="0">
                 <a:solidFill>
                   <a:srgbClr val="FFFF00"/>
                 </a:solidFill>
-                <a:latin typeface="Arial Regular" charset="0"/>
-                <a:ea typeface="Arial Regular" charset="0"/>
-                <a:cs typeface="Arial Regular" charset="0"/>
+                <a:latin typeface="Arial" charset="0"/>
+                <a:ea typeface="Arial" charset="0"/>
+                <a:cs typeface="Arial" charset="0"/>
                 <a:sym typeface="Cabin"/>
-              </a:rPr>
-              <a:t>www.py4e.com</a:t>
-            </a:r>
-            <a:endParaRPr lang="pl" sz="3200" u="none" strike="noStrike" cap="none" dirty="0">
+                <a:hlinkClick r:id="rId3"/>
+              </a:rPr>
+              <a:t>www.py4e.</a:t>
+            </a:r>
+            <a:r>
+              <a:rPr lang="en-US" sz="3200" b="0" i="0" u="sng" strike="noStrike" cap="none" baseline="0">
+                <a:solidFill>
+                  <a:srgbClr val="FFFF00"/>
+                </a:solidFill>
+                <a:latin typeface="Arial" charset="0"/>
+                <a:ea typeface="Arial" charset="0"/>
+                <a:cs typeface="Arial" charset="0"/>
+                <a:sym typeface="Cabin"/>
+                <a:hlinkClick r:id="rId3"/>
+              </a:rPr>
+              <a:t>pl</a:t>
+            </a:r>
+            <a:endParaRPr lang="pl" sz="3200" u="sng" strike="noStrike" cap="none" dirty="0">
               <a:solidFill>
                 <a:srgbClr val="FFFF00"/>
               </a:solidFill>
-              <a:latin typeface="Arial Regular" charset="0"/>
-              <a:ea typeface="Arial Regular" charset="0"/>
-              <a:cs typeface="Arial Regular" charset="0"/>
+              <a:latin typeface="Arial" charset="0"/>
+              <a:ea typeface="Arial" charset="0"/>
+              <a:cs typeface="Arial" charset="0"/>
               <a:sym typeface="Cabin"/>
+              <a:hlinkClick r:id="rId4"/>
             </a:endParaRPr>
           </a:p>
         </p:txBody>
@@ -6136,7 +6151,7 @@
           <p:nvPr/>
         </p:nvPicPr>
         <p:blipFill rotWithShape="1">
-          <a:blip r:embed="rId3">
+          <a:blip r:embed="rId5">
             <a:alphaModFix/>
           </a:blip>
           <a:srcRect/>
@@ -6163,7 +6178,7 @@
           <p:nvPr/>
         </p:nvPicPr>
         <p:blipFill rotWithShape="1">
-          <a:blip r:embed="rId4">
+          <a:blip r:embed="rId6">
             <a:alphaModFix/>
           </a:blip>
           <a:srcRect/>
@@ -9588,7 +9603,55 @@
                 <a:cs typeface="Arial Regular" charset="0"/>
                 <a:sym typeface="Cabin"/>
               </a:rPr>
-              <a:t> zwraca Prawdę/Fałsz w zależności od tego, czy wyrażenie regularne znajdzie dopasowanie w ciągu znaków</a:t>
+              <a:t> zwraca </a:t>
+            </a:r>
+            <a:r>
+              <a:rPr lang="en-US" sz="3600" b="0" i="0" u="none" strike="noStrike" cap="none" baseline="0" dirty="0">
+                <a:solidFill>
+                  <a:schemeClr val="lt1"/>
+                </a:solidFill>
+                <a:latin typeface="Arial Regular" charset="0"/>
+                <a:ea typeface="Arial Regular" charset="0"/>
+                <a:cs typeface="Arial Regular" charset="0"/>
+                <a:sym typeface="Cabin"/>
+              </a:rPr>
+              <a:t>True</a:t>
+            </a:r>
+            <a:r>
+              <a:rPr lang="pl" sz="3600" b="0" i="0" u="none" strike="noStrike" cap="none" baseline="0" dirty="0">
+                <a:solidFill>
+                  <a:schemeClr val="lt1"/>
+                </a:solidFill>
+                <a:latin typeface="Arial Regular" charset="0"/>
+                <a:ea typeface="Arial Regular" charset="0"/>
+                <a:cs typeface="Arial Regular" charset="0"/>
+                <a:sym typeface="Cabin"/>
+              </a:rPr>
+              <a:t>/Fa</a:t>
+            </a:r>
+            <a:r>
+              <a:rPr lang="en-US" sz="3600" b="0" i="0" u="none" strike="noStrike" cap="none" baseline="0" dirty="0" err="1">
+                <a:solidFill>
+                  <a:schemeClr val="lt1"/>
+                </a:solidFill>
+                <a:latin typeface="Arial Regular" charset="0"/>
+                <a:ea typeface="Arial Regular" charset="0"/>
+                <a:cs typeface="Arial Regular" charset="0"/>
+                <a:sym typeface="Cabin"/>
+              </a:rPr>
+              <a:t>lse</a:t>
+            </a:r>
+            <a:r>
+              <a:rPr lang="pl" sz="3600" b="0" i="0" u="none" strike="noStrike" cap="none" baseline="0" dirty="0">
+                <a:solidFill>
+                  <a:schemeClr val="lt1"/>
+                </a:solidFill>
+                <a:latin typeface="Arial Regular" charset="0"/>
+                <a:ea typeface="Arial Regular" charset="0"/>
+                <a:cs typeface="Arial Regular" charset="0"/>
+                <a:sym typeface="Cabin"/>
+              </a:rPr>
+              <a:t> w zależności od tego, czy wyrażenie regularne znajdzie dopasowanie w ciągu znaków</a:t>
             </a:r>
           </a:p>
           <a:p>
@@ -13737,7 +13800,7 @@
               <a:buNone/>
             </a:pPr>
             <a:r>
-              <a:rPr lang="pl" sz="3000" b="0" i="0" u="sng" strike="noStrike" cap="none" baseline="0">
+              <a:rPr lang="pl-PL" sz="3000" b="0" i="0" u="sng" strike="noStrike" cap="none" baseline="0" dirty="0">
                 <a:solidFill>
                   <a:srgbClr val="FFFF00"/>
                 </a:solidFill>
@@ -13747,8 +13810,18 @@
                 <a:sym typeface="Cabin"/>
                 <a:hlinkClick r:id="rId3"/>
               </a:rPr>
-              <a:t>http://en.wikipedia.org/wiki/Regular_expression</a:t>
-            </a:r>
+              <a:t>https://pl.wikipedia.org/wiki/Wyrażenie_regularne</a:t>
+            </a:r>
+            <a:endParaRPr lang="pl" sz="3000" b="0" i="0" u="sng" strike="noStrike" cap="none" baseline="0" dirty="0">
+              <a:solidFill>
+                <a:srgbClr val="FFFF00"/>
+              </a:solidFill>
+              <a:latin typeface="Arial Regular" charset="0"/>
+              <a:ea typeface="Arial Regular" charset="0"/>
+              <a:cs typeface="Arial Regular" charset="0"/>
+              <a:sym typeface="Cabin"/>
+              <a:hlinkClick r:id="rId4"/>
+            </a:endParaRPr>
           </a:p>
         </p:txBody>
       </p:sp>
@@ -20513,7 +20586,7 @@
               <a:buNone/>
             </a:pPr>
             <a:r>
-              <a:rPr lang="pl" sz="3000" b="0" i="0" u="sng" strike="noStrike" cap="none" baseline="0">
+              <a:rPr lang="pl-PL" sz="3000" b="0" i="0" u="sng" strike="noStrike" cap="none" baseline="0" dirty="0">
                 <a:solidFill>
                   <a:srgbClr val="FFFF00"/>
                 </a:solidFill>
@@ -20523,8 +20596,18 @@
                 <a:sym typeface="Cabin"/>
                 <a:hlinkClick r:id="rId3"/>
               </a:rPr>
-              <a:t>http://en.wikipedia.org/wiki/Regular_expression</a:t>
-            </a:r>
+              <a:t>https://pl.wikipedia.org/wiki/Wyrażenie_regularne</a:t>
+            </a:r>
+            <a:endParaRPr lang="pl" sz="3000" b="0" i="0" u="sng" strike="noStrike" cap="none" baseline="0" dirty="0">
+              <a:solidFill>
+                <a:srgbClr val="FFFF00"/>
+              </a:solidFill>
+              <a:latin typeface="Arial Regular" charset="0"/>
+              <a:ea typeface="Arial Regular" charset="0"/>
+              <a:cs typeface="Arial Regular" charset="0"/>
+              <a:sym typeface="Cabin"/>
+              <a:hlinkClick r:id="rId4"/>
+            </a:endParaRPr>
           </a:p>
         </p:txBody>
       </p:sp>
@@ -21252,7 +21335,7 @@
               <a:buNone/>
             </a:pPr>
             <a:r>
-              <a:rPr lang="pl" sz="3000" b="0" i="0" u="none" strike="noStrike" cap="none" baseline="0">
+              <a:rPr lang="pl" sz="3000" b="0" i="0" u="none" strike="noStrike" cap="none" baseline="0" dirty="0">
                 <a:solidFill>
                   <a:schemeClr val="lt1"/>
                 </a:solidFill>
@@ -21283,7 +21366,7 @@
               <a:buNone/>
             </a:pPr>
             <a:r>
-              <a:rPr lang="pl" sz="3000" b="0" i="0" u="none" strike="noStrike" cap="none" baseline="0">
+              <a:rPr lang="pl" sz="3000" b="0" i="0" u="none" strike="noStrike" cap="none" baseline="0" dirty="0">
                 <a:solidFill>
                   <a:schemeClr val="lt1"/>
                 </a:solidFill>
@@ -21314,7 +21397,7 @@
               <a:buNone/>
             </a:pPr>
             <a:r>
-              <a:rPr lang="pl" sz="3000" b="0" i="0" u="none" strike="noStrike" cap="none" baseline="0">
+              <a:rPr lang="pl" sz="3000" b="0" i="0" u="none" strike="noStrike" cap="none" baseline="0" dirty="0">
                 <a:solidFill>
                   <a:schemeClr val="lt1"/>
                 </a:solidFill>
@@ -21345,7 +21428,7 @@
               <a:buNone/>
             </a:pPr>
             <a:r>
-              <a:rPr lang="pl" sz="3000" b="0" i="0" u="none" strike="noStrike" cap="none" baseline="0">
+              <a:rPr lang="pl" sz="3000" b="0" i="0" u="none" strike="noStrike" cap="none" baseline="0" dirty="0">
                 <a:solidFill>
                   <a:schemeClr val="lt1"/>
                 </a:solidFill>
@@ -21376,7 +21459,7 @@
               <a:buNone/>
             </a:pPr>
             <a:r>
-              <a:rPr lang="pl" sz="3000" b="0" i="0" u="none" strike="noStrike" cap="none" baseline="0">
+              <a:rPr lang="pl" sz="3000" b="0" i="0" u="none" strike="noStrike" cap="none" baseline="0" dirty="0">
                 <a:solidFill>
                   <a:schemeClr val="lt1"/>
                 </a:solidFill>
@@ -21407,7 +21490,7 @@
               <a:buNone/>
             </a:pPr>
             <a:r>
-              <a:rPr lang="pl" sz="3000" b="0" i="0" u="none" strike="noStrike" cap="none" baseline="0">
+              <a:rPr lang="pl" sz="3000" b="0" i="0" u="none" strike="noStrike" cap="none" baseline="0" dirty="0">
                 <a:solidFill>
                   <a:schemeClr val="lt1"/>
                 </a:solidFill>
@@ -21419,7 +21502,7 @@
               <a:t>    </a:t>
             </a:r>
             <a:r>
-              <a:rPr lang="pl" sz="3000" b="0" i="0" u="none" strike="noStrike" cap="none" baseline="0">
+              <a:rPr lang="pl" sz="3000" b="0" i="0" u="none" strike="noStrike" cap="none" baseline="0" dirty="0">
                 <a:solidFill>
                   <a:srgbClr val="00FF00"/>
                 </a:solidFill>
@@ -21431,7 +21514,7 @@
               <a:t>stuff</a:t>
             </a:r>
             <a:r>
-              <a:rPr lang="pl" sz="3000" b="0" i="0" u="none" strike="noStrike" cap="none" baseline="0">
+              <a:rPr lang="pl" sz="3000" b="0" i="0" u="none" strike="noStrike" cap="none" baseline="0" dirty="0">
                 <a:solidFill>
                   <a:schemeClr val="lt1"/>
                 </a:solidFill>
@@ -21443,7 +21526,7 @@
               <a:t> = </a:t>
             </a:r>
             <a:r>
-              <a:rPr lang="pl" sz="3000" b="0" i="0" u="none" strike="noStrike" cap="none" baseline="0">
+              <a:rPr lang="pl" sz="3000" b="0" i="0" u="none" strike="noStrike" cap="none" baseline="0" dirty="0">
                 <a:solidFill>
                   <a:srgbClr val="FF00FF"/>
                 </a:solidFill>
@@ -21455,7 +21538,7 @@
               <a:t>re.findall</a:t>
             </a:r>
             <a:r>
-              <a:rPr lang="pl" sz="3000" b="0" i="0" u="none" strike="noStrike" cap="none" baseline="0">
+              <a:rPr lang="pl" sz="3000" b="0" i="0" u="none" strike="noStrike" cap="none" baseline="0" dirty="0">
                 <a:solidFill>
                   <a:schemeClr val="lt1"/>
                 </a:solidFill>
@@ -21467,7 +21550,7 @@
               <a:t>('</a:t>
             </a:r>
             <a:r>
-              <a:rPr lang="pl" sz="3000" b="0" i="0" u="none" strike="noStrike" cap="none" baseline="0">
+              <a:rPr lang="pl" sz="3000" b="0" i="0" u="none" strike="noStrike" cap="none" baseline="0" dirty="0">
                 <a:solidFill>
                   <a:srgbClr val="FFFF00"/>
                 </a:solidFill>
@@ -21479,7 +21562,7 @@
               <a:t>^X-DSPAM-Confidence: </a:t>
             </a:r>
             <a:r>
-              <a:rPr lang="pl" sz="3000" b="0" i="0" u="none" strike="noStrike" cap="none" baseline="0">
+              <a:rPr lang="pl" sz="3000" b="0" i="0" u="none" strike="noStrike" cap="none" baseline="0" dirty="0">
                 <a:solidFill>
                   <a:srgbClr val="FF00FF"/>
                 </a:solidFill>
@@ -21491,7 +21574,7 @@
               <a:t>(</a:t>
             </a:r>
             <a:r>
-              <a:rPr lang="pl" sz="3000" b="0" i="0" u="none" strike="noStrike" cap="none" baseline="0">
+              <a:rPr lang="pl" sz="3000" b="0" i="0" u="none" strike="noStrike" cap="none" baseline="0" dirty="0">
                 <a:solidFill>
                   <a:srgbClr val="FF7F00"/>
                 </a:solidFill>
@@ -21503,7 +21586,7 @@
               <a:t>[0-9.]+</a:t>
             </a:r>
             <a:r>
-              <a:rPr lang="pl" sz="3000" b="0" i="0" u="none" strike="noStrike" cap="none" baseline="0">
+              <a:rPr lang="pl" sz="3000" b="0" i="0" u="none" strike="noStrike" cap="none" baseline="0" dirty="0">
                 <a:solidFill>
                   <a:srgbClr val="FF00FF"/>
                 </a:solidFill>
@@ -21515,7 +21598,7 @@
               <a:t>)</a:t>
             </a:r>
             <a:r>
-              <a:rPr lang="pl" sz="3000" b="0" i="0" u="none" strike="noStrike" cap="none" baseline="0">
+              <a:rPr lang="pl" sz="3000" b="0" i="0" u="none" strike="noStrike" cap="none" baseline="0" dirty="0">
                 <a:solidFill>
                   <a:schemeClr val="lt1"/>
                 </a:solidFill>
@@ -21546,7 +21629,7 @@
               <a:buNone/>
             </a:pPr>
             <a:r>
-              <a:rPr lang="pl" sz="3000" b="0" i="0" u="none" strike="noStrike" cap="none" baseline="0">
+              <a:rPr lang="pl" sz="3000" b="0" i="0" u="none" strike="noStrike" cap="none" baseline="0" dirty="0">
                 <a:solidFill>
                   <a:schemeClr val="lt1"/>
                 </a:solidFill>
@@ -21558,7 +21641,7 @@
               <a:t>    if len(</a:t>
             </a:r>
             <a:r>
-              <a:rPr lang="pl" sz="3000" b="0" i="0" u="none" strike="noStrike" cap="none" baseline="0">
+              <a:rPr lang="pl" sz="3000" b="0" i="0" u="none" strike="noStrike" cap="none" baseline="0" dirty="0">
                 <a:solidFill>
                   <a:srgbClr val="00FF00"/>
                 </a:solidFill>
@@ -21570,7 +21653,7 @@
               <a:t>stuff</a:t>
             </a:r>
             <a:r>
-              <a:rPr lang="pl" sz="3000" b="0" i="0" u="none" strike="noStrike" cap="none" baseline="0">
+              <a:rPr lang="pl" sz="3000" b="0" i="0" u="none" strike="noStrike" cap="none" baseline="0" dirty="0">
                 <a:solidFill>
                   <a:schemeClr val="lt1"/>
                 </a:solidFill>
@@ -21601,7 +21684,7 @@
               <a:buNone/>
             </a:pPr>
             <a:r>
-              <a:rPr lang="pl" sz="3000" b="0" i="0" u="none" strike="noStrike" cap="none" baseline="0">
+              <a:rPr lang="pl" sz="3000" b="0" i="0" u="none" strike="noStrike" cap="none" baseline="0" dirty="0">
                 <a:solidFill>
                   <a:schemeClr val="lt1"/>
                 </a:solidFill>
@@ -21613,7 +21696,7 @@
               <a:t>    num = float(</a:t>
             </a:r>
             <a:r>
-              <a:rPr lang="pl" sz="3000" b="0" i="0" u="none" strike="noStrike" cap="none" baseline="0">
+              <a:rPr lang="pl" sz="3000" b="0" i="0" u="none" strike="noStrike" cap="none" baseline="0" dirty="0">
                 <a:solidFill>
                   <a:srgbClr val="00FF00"/>
                 </a:solidFill>
@@ -21625,7 +21708,7 @@
               <a:t>stuff</a:t>
             </a:r>
             <a:r>
-              <a:rPr lang="pl" sz="3000" b="0" i="0" u="none" strike="noStrike" cap="none" baseline="0">
+              <a:rPr lang="pl" sz="3000" b="0" i="0" u="none" strike="noStrike" cap="none" baseline="0" dirty="0">
                 <a:solidFill>
                   <a:srgbClr val="00FFFF"/>
                 </a:solidFill>
@@ -21637,7 +21720,7 @@
               <a:t>[0]</a:t>
             </a:r>
             <a:r>
-              <a:rPr lang="pl" sz="3000" b="0" i="0" u="none" strike="noStrike" cap="none" baseline="0">
+              <a:rPr lang="pl" sz="3000" b="0" i="0" u="none" strike="noStrike" cap="none" baseline="0" dirty="0">
                 <a:solidFill>
                   <a:schemeClr val="lt1"/>
                 </a:solidFill>
@@ -21668,7 +21751,7 @@
               <a:buNone/>
             </a:pPr>
             <a:r>
-              <a:rPr lang="pl" sz="3000" b="0" i="0" u="none" strike="noStrike" cap="none" baseline="0">
+              <a:rPr lang="pl" sz="3000" b="0" i="0" u="none" strike="noStrike" cap="none" baseline="0" dirty="0">
                 <a:solidFill>
                   <a:schemeClr val="lt1"/>
                 </a:solidFill>
@@ -21699,7 +21782,7 @@
               <a:buNone/>
             </a:pPr>
             <a:r>
-              <a:rPr lang="pl" sz="3000" b="0" i="0" u="none" strike="noStrike" cap="none" baseline="0">
+              <a:rPr lang="pl" sz="3000" b="0" i="0" u="none" strike="noStrike" cap="none" baseline="0" dirty="0">
                 <a:solidFill>
                   <a:schemeClr val="lt1"/>
                 </a:solidFill>
@@ -21771,7 +21854,7 @@
               <a:buNone/>
             </a:pPr>
             <a:r>
-              <a:rPr lang="pl" sz="3900" b="0" i="0" u="none" baseline="0">
+              <a:rPr lang="pl" sz="3900" b="0" i="0" u="none" baseline="0" dirty="0">
                 <a:solidFill>
                   <a:srgbClr val="FFFF00"/>
                 </a:solidFill>
@@ -21783,7 +21866,7 @@
               <a:t> </a:t>
             </a:r>
             <a:r>
-              <a:rPr lang="pl" sz="3900" b="0" i="0" u="none" strike="noStrike" cap="none" baseline="0">
+              <a:rPr lang="en-US" sz="3900" b="0" i="0" u="none" baseline="0" dirty="0">
                 <a:solidFill>
                   <a:srgbClr val="FFFF00"/>
                 </a:solidFill>
@@ -21792,41 +21875,77 @@
                 <a:cs typeface="Arial Regular" charset="0"/>
                 <a:sym typeface="Cabin"/>
               </a:rPr>
-              <a:t>python ds.py </a:t>
-            </a:r>
-          </a:p>
-          <a:p>
-            <a:pPr marL="0" marR="0" lvl="0" indent="0" algn="l" rtl="0">
-              <a:lnSpc>
-                <a:spcPct val="100000"/>
-              </a:lnSpc>
-              <a:spcBef>
-                <a:spcPts val="0"/>
-              </a:spcBef>
-              <a:spcAft>
-                <a:spcPts val="0"/>
-              </a:spcAft>
-              <a:buClr>
-                <a:schemeClr val="lt1"/>
-              </a:buClr>
-              <a:buSzPct val="25000"/>
-              <a:buFont typeface="Cabin"/>
-              <a:buNone/>
-            </a:pPr>
-            <a:r>
-              <a:rPr lang="pl" sz="3900" b="0" i="0" u="none" baseline="0">
-                <a:solidFill>
-                  <a:schemeClr val="lt1"/>
+              <a:t>$ </a:t>
+            </a:r>
+            <a:r>
+              <a:rPr lang="pl" sz="3900" b="0" i="0" u="none" strike="noStrike" cap="none" baseline="0" dirty="0">
+                <a:solidFill>
+                  <a:srgbClr val="FFFF00"/>
                 </a:solidFill>
                 <a:latin typeface="Arial Regular" charset="0"/>
                 <a:ea typeface="Arial Regular" charset="0"/>
                 <a:cs typeface="Arial Regular" charset="0"/>
                 <a:sym typeface="Cabin"/>
               </a:rPr>
+              <a:t>python</a:t>
+            </a:r>
+            <a:r>
+              <a:rPr lang="en-US" sz="3900" dirty="0">
+                <a:solidFill>
+                  <a:srgbClr val="FFFF00"/>
+                </a:solidFill>
+                <a:latin typeface="Arial Regular" charset="0"/>
+                <a:ea typeface="Arial Regular" charset="0"/>
+                <a:cs typeface="Arial Regular" charset="0"/>
+                <a:sym typeface="Cabin"/>
+              </a:rPr>
+              <a:t>3</a:t>
+            </a:r>
+            <a:r>
+              <a:rPr lang="pl" sz="3900" b="0" i="0" u="none" strike="noStrike" cap="none" baseline="0" dirty="0">
+                <a:solidFill>
+                  <a:srgbClr val="FFFF00"/>
+                </a:solidFill>
+                <a:latin typeface="Arial Regular" charset="0"/>
+                <a:ea typeface="Arial Regular" charset="0"/>
+                <a:cs typeface="Arial Regular" charset="0"/>
+                <a:sym typeface="Cabin"/>
+              </a:rPr>
+              <a:t> ds.py </a:t>
+            </a:r>
+          </a:p>
+          <a:p>
+            <a:pPr marL="0" marR="0" lvl="0" indent="0" algn="l" rtl="0">
+              <a:lnSpc>
+                <a:spcPct val="100000"/>
+              </a:lnSpc>
+              <a:spcBef>
+                <a:spcPts val="0"/>
+              </a:spcBef>
+              <a:spcAft>
+                <a:spcPts val="0"/>
+              </a:spcAft>
+              <a:buClr>
+                <a:schemeClr val="lt1"/>
+              </a:buClr>
+              <a:buSzPct val="25000"/>
+              <a:buFont typeface="Cabin"/>
+              <a:buNone/>
+            </a:pPr>
+            <a:r>
+              <a:rPr lang="pl" sz="3900" b="0" i="0" u="none" baseline="0" dirty="0">
+                <a:solidFill>
+                  <a:schemeClr val="lt1"/>
+                </a:solidFill>
+                <a:latin typeface="Arial Regular" charset="0"/>
+                <a:ea typeface="Arial Regular" charset="0"/>
+                <a:cs typeface="Arial Regular" charset="0"/>
+                <a:sym typeface="Cabin"/>
+              </a:rPr>
               <a:t> </a:t>
             </a:r>
             <a:r>
-              <a:rPr lang="pl" sz="3900" b="0" i="0" u="none" strike="noStrike" cap="none" baseline="0">
+              <a:rPr lang="pl" sz="3900" b="0" i="0" u="none" strike="noStrike" cap="none" baseline="0" dirty="0">
                 <a:solidFill>
                   <a:schemeClr val="lt1"/>
                 </a:solidFill>
@@ -23204,8 +23323,85 @@
                   <a:srgbClr val="FFFFFF"/>
                 </a:solidFill>
               </a:rPr>
-              <a:t>Autorstwo pierwszej wersji: Charles Severance, University of Michigan School of Information</a:t>
-            </a:r>
+              <a:t>Autorstwo pierwszej wersji: Charles Severance, </a:t>
+            </a:r>
+            <a:br>
+              <a:rPr lang="en-US" sz="1800" b="0" i="0" u="none" baseline="0" dirty="0">
+                <a:solidFill>
+                  <a:srgbClr val="FFFFFF"/>
+                </a:solidFill>
+              </a:rPr>
+            </a:br>
+            <a:r>
+              <a:rPr lang="pl" sz="1800" b="0" i="0" u="none" baseline="0" dirty="0">
+                <a:solidFill>
+                  <a:srgbClr val="FFFFFF"/>
+                </a:solidFill>
+              </a:rPr>
+              <a:t>University of Michigan School of Information</a:t>
+            </a:r>
+            <a:endParaRPr lang="en-US" sz="1800" b="0" i="0" u="none" baseline="0" dirty="0">
+              <a:solidFill>
+                <a:srgbClr val="FFFFFF"/>
+              </a:solidFill>
+            </a:endParaRPr>
+          </a:p>
+          <a:p>
+            <a:pPr lvl="0" algn="l" rtl="0">
+              <a:spcBef>
+                <a:spcPts val="0"/>
+              </a:spcBef>
+              <a:buNone/>
+            </a:pPr>
+            <a:endParaRPr lang="en-US" sz="1800" dirty="0">
+              <a:solidFill>
+                <a:srgbClr val="FFFFFF"/>
+              </a:solidFill>
+            </a:endParaRPr>
+          </a:p>
+          <a:p>
+            <a:pPr lvl="0" algn="l" rtl="0">
+              <a:spcBef>
+                <a:spcPts val="0"/>
+              </a:spcBef>
+              <a:buNone/>
+            </a:pPr>
+            <a:r>
+              <a:rPr lang="pl-PL" sz="1800" dirty="0">
+                <a:solidFill>
+                  <a:srgbClr val="FFFFFF"/>
+                </a:solidFill>
+              </a:rPr>
+              <a:t>Polska wersja powstała z inicjatywy Wydziału Matematyki </a:t>
+            </a:r>
+            <a:br>
+              <a:rPr lang="en-US" sz="1800" dirty="0">
+                <a:solidFill>
+                  <a:srgbClr val="FFFFFF"/>
+                </a:solidFill>
+              </a:rPr>
+            </a:br>
+            <a:r>
+              <a:rPr lang="pl-PL" sz="1800" dirty="0">
+                <a:solidFill>
+                  <a:srgbClr val="FFFFFF"/>
+                </a:solidFill>
+              </a:rPr>
+              <a:t>i Informatyki Uniwersytetu im. </a:t>
+            </a:r>
+            <a:r>
+              <a:rPr lang="pl-PL" sz="1800">
+                <a:solidFill>
+                  <a:srgbClr val="FFFFFF"/>
+                </a:solidFill>
+              </a:rPr>
+              <a:t>Adama Mickiewicza w Poznaniu</a:t>
+            </a:r>
+            <a:endParaRPr lang="pl" sz="1800" b="0" i="0" u="none" baseline="0" dirty="0">
+              <a:solidFill>
+                <a:srgbClr val="FFFFFF"/>
+              </a:solidFill>
+            </a:endParaRPr>
           </a:p>
           <a:p>
             <a:pPr lvl="0" algn="l" rtl="0">
@@ -23233,23 +23429,7 @@
                   <a:srgbClr val="FFFFFF"/>
                 </a:solidFill>
               </a:rPr>
-              <a:t>Tłumaczenie</a:t>
-            </a:r>
-            <a:r>
-              <a:rPr lang="pl" sz="1800" b="0" i="0" u="none" baseline="0">
-                <a:solidFill>
-                  <a:srgbClr val="FFFFFF"/>
-                </a:solidFill>
-              </a:rPr>
-              <a:t>: Agata i Krzysztof Wierzbiccy</a:t>
-            </a:r>
-            <a:r>
-              <a:rPr lang="pl" sz="1800" b="0" i="0" u="none" baseline="0" dirty="0">
-                <a:solidFill>
-                  <a:srgbClr val="FFFFFF"/>
-                </a:solidFill>
-              </a:rPr>
-              <a:t>, EnglishT.eu </a:t>
+              <a:t>Tłumaczenie: Agata i Krzysztof Wierzbiccy, EnglishT.eu </a:t>
             </a:r>
           </a:p>
           <a:p>
@@ -23308,33 +23488,6 @@
           <a:chExt cx="0" cy="0"/>
         </a:xfrm>
       </p:grpSpPr>
-      <p:pic>
-        <p:nvPicPr>
-          <p:cNvPr id="227" name="Shape 227"/>
-          <p:cNvPicPr preferRelativeResize="0"/>
-          <p:nvPr/>
-        </p:nvPicPr>
-        <p:blipFill rotWithShape="1">
-          <a:blip r:embed="rId3">
-            <a:alphaModFix/>
-          </a:blip>
-          <a:srcRect/>
-          <a:stretch/>
-        </p:blipFill>
-        <p:spPr>
-          <a:xfrm>
-            <a:off x="3490164" y="914475"/>
-            <a:ext cx="9148570" cy="6373812"/>
-          </a:xfrm>
-          <a:prstGeom prst="rect">
-            <a:avLst/>
-          </a:prstGeom>
-          <a:noFill/>
-          <a:ln>
-            <a:noFill/>
-          </a:ln>
-        </p:spPr>
-      </p:pic>
       <p:sp>
         <p:nvSpPr>
           <p:cNvPr id="228" name="Shape 228"/>
@@ -23413,6 +23566,36 @@
           </a:p>
         </p:txBody>
       </p:sp>
+      <p:pic>
+        <p:nvPicPr>
+          <p:cNvPr id="5" name="Picture 4">
+            <a:extLst>
+              <a:ext uri="{FF2B5EF4-FFF2-40B4-BE49-F238E27FC236}">
+                <a16:creationId xmlns:a16="http://schemas.microsoft.com/office/drawing/2014/main" id="{D8C8C2FC-E14E-41BC-AE5D-BFADBF751989}"/>
+              </a:ext>
+            </a:extLst>
+          </p:cNvPr>
+          <p:cNvPicPr>
+            <a:picLocks noChangeAspect="1"/>
+          </p:cNvPicPr>
+          <p:nvPr/>
+        </p:nvPicPr>
+        <p:blipFill>
+          <a:blip r:embed="rId3"/>
+          <a:stretch>
+            <a:fillRect/>
+          </a:stretch>
+        </p:blipFill>
+        <p:spPr>
+          <a:xfrm>
+            <a:off x="2857500" y="183207"/>
+            <a:ext cx="10764147" cy="7066866"/>
+          </a:xfrm>
+          <a:prstGeom prst="rect">
+            <a:avLst/>
+          </a:prstGeom>
+        </p:spPr>
+      </p:pic>
       <p:sp>
         <p:nvSpPr>
           <p:cNvPr id="229" name="Shape 229"/>
@@ -23420,8 +23603,8 @@
           <p:nvPr/>
         </p:nvSpPr>
         <p:spPr>
-          <a:xfrm flipH="1">
-            <a:off x="12636449" y="1343100"/>
+          <a:xfrm rot="10800000" flipH="1">
+            <a:off x="8128000" y="838300"/>
             <a:ext cx="1269899" cy="660300"/>
           </a:xfrm>
           <a:prstGeom prst="rightArrow">
@@ -23953,7 +24136,7 @@
               <a:buNone/>
             </a:pPr>
             <a:r>
-              <a:rPr lang="pl" sz="3800" b="0" i="0" u="sng" strike="noStrike" cap="none" baseline="0">
+              <a:rPr lang="pl-PL" sz="3800" b="0" i="0" u="sng" strike="noStrike" cap="none" baseline="0" dirty="0">
                 <a:solidFill>
                   <a:srgbClr val="FFD966"/>
                 </a:solidFill>
@@ -23963,8 +24146,18 @@
                 <a:sym typeface="Cabin"/>
                 <a:hlinkClick r:id="rId4"/>
               </a:rPr>
-              <a:t>http://xkcd.com/208/</a:t>
-            </a:r>
+              <a:t>https://xkcd.com/208/</a:t>
+            </a:r>
+            <a:endParaRPr lang="pl" sz="3800" b="0" i="0" u="sng" strike="noStrike" cap="none" baseline="0" dirty="0">
+              <a:solidFill>
+                <a:srgbClr val="FFD966"/>
+              </a:solidFill>
+              <a:latin typeface="Arial Regular" charset="0"/>
+              <a:ea typeface="Arial Regular" charset="0"/>
+              <a:cs typeface="Arial Regular" charset="0"/>
+              <a:sym typeface="Cabin"/>
+              <a:hlinkClick r:id="rId5"/>
+            </a:endParaRPr>
           </a:p>
         </p:txBody>
       </p:sp>
@@ -24058,7 +24251,7 @@
         </p:nvSpPr>
         <p:spPr>
           <a:xfrm>
-            <a:off x="2565400" y="2539900"/>
+            <a:off x="2565400" y="2837556"/>
             <a:ext cx="11607801" cy="5194400"/>
           </a:xfrm>
           <a:prstGeom prst="rect">
@@ -24974,8 +25167,8 @@
         </p:nvSpPr>
         <p:spPr>
           <a:xfrm>
-            <a:off x="2984500" y="8407400"/>
-            <a:ext cx="9376285" cy="461665"/>
+            <a:off x="3938503" y="8329612"/>
+            <a:ext cx="8366393" cy="461665"/>
           </a:xfrm>
           <a:prstGeom prst="rect">
             <a:avLst/>
@@ -24990,13 +25183,19 @@
           <a:p>
             <a:pPr algn="l" rtl="0"/>
             <a:r>
-              <a:rPr lang="pl" sz="2400" b="0" i="0" u="none" baseline="0">
+              <a:rPr lang="pl-PL" sz="2400" b="0" i="0" u="none" baseline="0" dirty="0">
                 <a:solidFill>
                   <a:srgbClr val="FFFF00"/>
                 </a:solidFill>
-              </a:rPr>
-              <a:t>https://www.py4e.com/lectures3/Pythonlearn-11-Regex-Handout.txt</a:t>
-            </a:r>
+                <a:hlinkClick r:id="rId3"/>
+              </a:rPr>
+              <a:t>https://py4e.pl/lectures3/Pythonlearn-11-Regex-Handout.txt</a:t>
+            </a:r>
+            <a:endParaRPr lang="pl" sz="2400" b="0" i="0" u="none" baseline="0" dirty="0">
+              <a:solidFill>
+                <a:srgbClr val="FFFF00"/>
+              </a:solidFill>
+            </a:endParaRPr>
           </a:p>
         </p:txBody>
       </p:sp>
